--- a/stego_dheeraj.pptx
+++ b/stego_dheeraj.pptx
@@ -4265,7 +4265,7 @@
           <a:p>
             <a:pPr algn="ctr"/>
             <a:r>
-              <a:rPr lang="en-US" sz="3200" b="1">
+              <a:rPr lang="en-US" sz="3200" b="1" dirty="0">
                 <a:solidFill>
                   <a:schemeClr val="accent1">
                     <a:lumMod val="75000"/>
@@ -4276,15 +4276,6 @@
               </a:rPr>
               <a:t>PROJECT</a:t>
             </a:r>
-            <a:endParaRPr lang="en-US" sz="3200" b="1" dirty="0">
-              <a:solidFill>
-                <a:schemeClr val="accent1">
-                  <a:lumMod val="75000"/>
-                </a:schemeClr>
-              </a:solidFill>
-              <a:latin typeface="Arial"/>
-              <a:cs typeface="Arial"/>
-            </a:endParaRPr>
           </a:p>
         </p:txBody>
       </p:sp>
@@ -4634,15 +4625,14 @@
             </a:r>
           </a:p>
           <a:p>
-            <a:pPr marL="305435" indent="-305435"/>
-            <a:r>
-              <a:rPr lang="en-US" sz="2000" b="1" dirty="0">
-                <a:latin typeface="Arial"/>
-                <a:ea typeface="+mn-lt"/>
-                <a:cs typeface="+mn-lt"/>
-              </a:rPr>
-              <a:t>Future scope</a:t>
-            </a:r>
+            <a:pPr marL="0" indent="0">
+              <a:buNone/>
+            </a:pPr>
+            <a:endParaRPr lang="en-US" sz="2000" b="1" dirty="0">
+              <a:latin typeface="Arial"/>
+              <a:ea typeface="+mn-lt"/>
+              <a:cs typeface="+mn-lt"/>
+            </a:endParaRPr>
           </a:p>
           <a:p>
             <a:pPr marL="0" indent="0">
@@ -5987,10 +5977,16 @@
           <a:bodyPr/>
           <a:lstStyle/>
           <a:p>
-            <a:r>
-              <a:rPr lang="en-IN" dirty="0"/>
-              <a:t>Make sure that there should be readme file</a:t>
-            </a:r>
+            <a:pPr marL="0" indent="0">
+              <a:buNone/>
+            </a:pPr>
+            <a:r>
+              <a:rPr lang="en-IN" dirty="0">
+                <a:hlinkClick r:id="rId2"/>
+              </a:rPr>
+              <a:t>https://github.com/Mr-GHOST47/stegnography-aicte-project.git</a:t>
+            </a:r>
+            <a:endParaRPr lang="en-IN" dirty="0"/>
           </a:p>
         </p:txBody>
       </p:sp>
@@ -6572,20 +6568,20 @@
 </file>
 
 <file path=customXml/item1.xml><?xml version="1.0" encoding="utf-8"?>
+<p:properties xmlns:p="http://schemas.microsoft.com/office/2006/metadata/properties" xmlns:xsi="http://www.w3.org/2001/XMLSchema-instance" xmlns:pc="http://schemas.microsoft.com/office/infopath/2007/PartnerControls">
+  <documentManagement>
+    <_activity xmlns="b30265f8-c5e2-4918-b4a1-b977299ca3e2" xsi:nil="true"/>
+  </documentManagement>
+</p:properties>
+</file>
+
+<file path=customXml/item2.xml><?xml version="1.0" encoding="utf-8"?>
 <?mso-contentType ?>
 <FormTemplates xmlns="http://schemas.microsoft.com/sharepoint/v3/contenttype/forms">
   <Display>DocumentLibraryForm</Display>
   <Edit>DocumentLibraryForm</Edit>
   <New>DocumentLibraryForm</New>
 </FormTemplates>
-</file>
-
-<file path=customXml/item2.xml><?xml version="1.0" encoding="utf-8"?>
-<p:properties xmlns:p="http://schemas.microsoft.com/office/2006/metadata/properties" xmlns:xsi="http://www.w3.org/2001/XMLSchema-instance" xmlns:pc="http://schemas.microsoft.com/office/infopath/2007/PartnerControls">
-  <documentManagement>
-    <_activity xmlns="b30265f8-c5e2-4918-b4a1-b977299ca3e2" xsi:nil="true"/>
-  </documentManagement>
-</p:properties>
 </file>
 
 <file path=customXml/item3.xml><?xml version="1.0" encoding="utf-8"?>
@@ -6822,14 +6818,6 @@
 </file>
 
 <file path=customXml/itemProps1.xml><?xml version="1.0" encoding="utf-8"?>
-<ds:datastoreItem xmlns:ds="http://schemas.openxmlformats.org/officeDocument/2006/customXml" ds:itemID="{927BD4C1-B6B1-4715-ABF9-E660A51A4EA0}">
-  <ds:schemaRefs>
-    <ds:schemaRef ds:uri="http://schemas.microsoft.com/sharepoint/v3/contenttype/forms"/>
-  </ds:schemaRefs>
-</ds:datastoreItem>
-</file>
-
-<file path=customXml/itemProps2.xml><?xml version="1.0" encoding="utf-8"?>
 <ds:datastoreItem xmlns:ds="http://schemas.openxmlformats.org/officeDocument/2006/customXml" ds:itemID="{8D289AE2-D2AE-49D1-AFAC-3A79F6794255}">
   <ds:schemaRefs>
     <ds:schemaRef ds:uri="http://schemas.openxmlformats.org/package/2006/metadata/core-properties"/>
@@ -6842,6 +6830,14 @@
     <ds:schemaRef ds:uri="http://purl.org/dc/terms/"/>
     <ds:schemaRef ds:uri="b30265f8-c5e2-4918-b4a1-b977299ca3e2"/>
     <ds:schemaRef ds:uri="http://www.w3.org/XML/1998/namespace"/>
+  </ds:schemaRefs>
+</ds:datastoreItem>
+</file>
+
+<file path=customXml/itemProps2.xml><?xml version="1.0" encoding="utf-8"?>
+<ds:datastoreItem xmlns:ds="http://schemas.openxmlformats.org/officeDocument/2006/customXml" ds:itemID="{927BD4C1-B6B1-4715-ABF9-E660A51A4EA0}">
+  <ds:schemaRefs>
+    <ds:schemaRef ds:uri="http://schemas.microsoft.com/sharepoint/v3/contenttype/forms"/>
   </ds:schemaRefs>
 </ds:datastoreItem>
 </file>
